--- a/presentations_posters/schemas.pptx
+++ b/presentations_posters/schemas.pptx
@@ -3775,9 +3775,9 @@
           <p:nvPr/>
         </p:nvCxnSpPr>
         <p:spPr>
-          <a:xfrm flipH="1">
-            <a:off x="6935890" y="13961302"/>
-            <a:ext cx="2060915" cy="1039042"/>
+          <a:xfrm>
+            <a:off x="9004433" y="13844535"/>
+            <a:ext cx="893546" cy="979935"/>
           </a:xfrm>
           <a:prstGeom prst="straightConnector1">
             <a:avLst/>
@@ -3818,7 +3818,7 @@
         </p:nvSpPr>
         <p:spPr>
           <a:xfrm>
-            <a:off x="806033" y="14372256"/>
+            <a:off x="658849" y="14733588"/>
             <a:ext cx="5955864" cy="1517642"/>
           </a:xfrm>
           <a:prstGeom prst="roundRect">
@@ -4782,8 +4782,8 @@
         </p:nvCxnSpPr>
         <p:spPr>
           <a:xfrm>
-            <a:off x="2757778" y="16093590"/>
-            <a:ext cx="1718121" cy="1068798"/>
+            <a:off x="2823411" y="16431250"/>
+            <a:ext cx="1700612" cy="846097"/>
           </a:xfrm>
           <a:prstGeom prst="straightConnector1">
             <a:avLst/>
@@ -4870,6 +4870,110 @@
           </a:p>
         </p:txBody>
       </p:sp>
+      <p:sp>
+        <p:nvSpPr>
+          <p:cNvPr id="87" name="Rounded Rectangle 86">
+            <a:extLst>
+              <a:ext uri="{FF2B5EF4-FFF2-40B4-BE49-F238E27FC236}">
+                <a16:creationId xmlns:a16="http://schemas.microsoft.com/office/drawing/2014/main" id="{ACAE765D-B2A4-8644-9EED-00CAC73BAB47}"/>
+              </a:ext>
+            </a:extLst>
+          </p:cNvPr>
+          <p:cNvSpPr/>
+          <p:nvPr/>
+        </p:nvSpPr>
+        <p:spPr>
+          <a:xfrm>
+            <a:off x="8017002" y="14959038"/>
+            <a:ext cx="3513221" cy="1122363"/>
+          </a:xfrm>
+          <a:prstGeom prst="roundRect">
+            <a:avLst/>
+          </a:prstGeom>
+          <a:solidFill>
+            <a:srgbClr val="1C98BD"/>
+          </a:solidFill>
+        </p:spPr>
+        <p:style>
+          <a:lnRef idx="2">
+            <a:schemeClr val="accent1">
+              <a:shade val="50000"/>
+            </a:schemeClr>
+          </a:lnRef>
+          <a:fillRef idx="1">
+            <a:schemeClr val="accent1"/>
+          </a:fillRef>
+          <a:effectRef idx="0">
+            <a:schemeClr val="accent1"/>
+          </a:effectRef>
+          <a:fontRef idx="minor">
+            <a:schemeClr val="lt1"/>
+          </a:fontRef>
+        </p:style>
+        <p:txBody>
+          <a:bodyPr rot="0" spcFirstLastPara="0" vertOverflow="overflow" horzOverflow="overflow" vert="horz" wrap="square" lIns="91440" tIns="45720" rIns="91440" bIns="45720" numCol="1" spcCol="0" rtlCol="0" fromWordArt="0" anchor="ctr" anchorCtr="0" forceAA="0" compatLnSpc="1">
+            <a:prstTxWarp prst="textNoShape">
+              <a:avLst/>
+            </a:prstTxWarp>
+            <a:noAutofit/>
+          </a:bodyPr>
+          <a:lstStyle/>
+          <a:p>
+            <a:pPr algn="ctr"/>
+            <a:r>
+              <a:rPr lang="en-US" sz="3200" dirty="0">
+                <a:latin typeface="Times New Roman" panose="02020603050405020304" pitchFamily="18" charset="0"/>
+                <a:cs typeface="Times New Roman" panose="02020603050405020304" pitchFamily="18" charset="0"/>
+              </a:rPr>
+              <a:t> Mask low complexity regions</a:t>
+            </a:r>
+          </a:p>
+        </p:txBody>
+      </p:sp>
+      <p:cxnSp>
+        <p:nvCxnSpPr>
+          <p:cNvPr id="93" name="Straight Arrow Connector 92">
+            <a:extLst>
+              <a:ext uri="{FF2B5EF4-FFF2-40B4-BE49-F238E27FC236}">
+                <a16:creationId xmlns:a16="http://schemas.microsoft.com/office/drawing/2014/main" id="{51A1EA1A-6FE5-FD48-9F82-B254444195EC}"/>
+              </a:ext>
+            </a:extLst>
+          </p:cNvPr>
+          <p:cNvCxnSpPr>
+            <a:cxnSpLocks/>
+          </p:cNvCxnSpPr>
+          <p:nvPr/>
+        </p:nvCxnSpPr>
+        <p:spPr>
+          <a:xfrm flipH="1">
+            <a:off x="6716906" y="15486508"/>
+            <a:ext cx="1149656" cy="0"/>
+          </a:xfrm>
+          <a:prstGeom prst="straightConnector1">
+            <a:avLst/>
+          </a:prstGeom>
+          <a:ln w="190500">
+            <a:solidFill>
+              <a:srgbClr val="1C98BD"/>
+            </a:solidFill>
+            <a:tailEnd type="triangle"/>
+          </a:ln>
+        </p:spPr>
+        <p:style>
+          <a:lnRef idx="1">
+            <a:schemeClr val="accent1"/>
+          </a:lnRef>
+          <a:fillRef idx="0">
+            <a:schemeClr val="accent1"/>
+          </a:fillRef>
+          <a:effectRef idx="0">
+            <a:schemeClr val="accent1"/>
+          </a:effectRef>
+          <a:fontRef idx="minor">
+            <a:schemeClr val="tx1"/>
+          </a:fontRef>
+        </p:style>
+      </p:cxnSp>
     </p:spTree>
     <p:extLst>
       <p:ext uri="{BB962C8B-B14F-4D97-AF65-F5344CB8AC3E}">

--- a/presentations_posters/schemas.pptx
+++ b/presentations_posters/schemas.pptx
@@ -6,6 +6,7 @@
   </p:sldMasterIdLst>
   <p:sldIdLst>
     <p:sldId id="256" r:id="rId2"/>
+    <p:sldId id="257" r:id="rId3"/>
   </p:sldIdLst>
   <p:sldSz cx="12193588" cy="18000663"/>
   <p:notesSz cx="6858000" cy="9144000"/>
@@ -2975,13 +2976,15 @@
               </a:ext>
             </a:extLst>
           </p:cNvPr>
-          <p:cNvGrpSpPr/>
+          <p:cNvGrpSpPr>
+            <a:grpSpLocks noChangeAspect="1"/>
+          </p:cNvGrpSpPr>
           <p:nvPr/>
         </p:nvGrpSpPr>
         <p:grpSpPr>
           <a:xfrm>
-            <a:off x="4070996" y="2878184"/>
-            <a:ext cx="7751479" cy="2786570"/>
+            <a:off x="3188330" y="3029446"/>
+            <a:ext cx="8910313" cy="3203158"/>
             <a:chOff x="3730631" y="2836507"/>
             <a:chExt cx="7751479" cy="2786570"/>
           </a:xfrm>
@@ -3061,7 +3064,7 @@
           <p:spPr>
             <a:xfrm>
               <a:off x="6789858" y="4286760"/>
-              <a:ext cx="1672253" cy="584775"/>
+              <a:ext cx="1486304" cy="523220"/>
             </a:xfrm>
             <a:prstGeom prst="rect">
               <a:avLst/>
@@ -3075,7 +3078,7 @@
             <a:lstStyle/>
             <a:p>
               <a:r>
-                <a:rPr lang="en-US" sz="3200" dirty="0">
+                <a:rPr lang="en-US" sz="2800" dirty="0">
                   <a:latin typeface="Times New Roman" panose="02020603050405020304" pitchFamily="18" charset="0"/>
                   <a:cs typeface="Times New Roman" panose="02020603050405020304" pitchFamily="18" charset="0"/>
                 </a:rPr>
@@ -3094,13 +3097,15 @@
               </a:ext>
             </a:extLst>
           </p:cNvPr>
-          <p:cNvGrpSpPr/>
+          <p:cNvGrpSpPr>
+            <a:grpSpLocks noChangeAspect="1"/>
+          </p:cNvGrpSpPr>
           <p:nvPr/>
         </p:nvGrpSpPr>
         <p:grpSpPr>
           <a:xfrm>
-            <a:off x="4070995" y="9076990"/>
-            <a:ext cx="7751479" cy="2786570"/>
+            <a:off x="3188329" y="9099916"/>
+            <a:ext cx="8910313" cy="3203158"/>
             <a:chOff x="3730631" y="2836507"/>
             <a:chExt cx="7751479" cy="2786570"/>
           </a:xfrm>
@@ -3180,7 +3185,7 @@
           <p:spPr>
             <a:xfrm>
               <a:off x="6789858" y="4286760"/>
-              <a:ext cx="1672253" cy="584775"/>
+              <a:ext cx="1486304" cy="523220"/>
             </a:xfrm>
             <a:prstGeom prst="rect">
               <a:avLst/>
@@ -3194,7 +3199,7 @@
             <a:lstStyle/>
             <a:p>
               <a:r>
-                <a:rPr lang="en-US" sz="3200" dirty="0">
+                <a:rPr lang="en-US" sz="2800" dirty="0">
                   <a:latin typeface="Times New Roman" panose="02020603050405020304" pitchFamily="18" charset="0"/>
                   <a:cs typeface="Times New Roman" panose="02020603050405020304" pitchFamily="18" charset="0"/>
                 </a:rPr>
@@ -3231,8 +3236,8 @@
         </p:blipFill>
         <p:spPr>
           <a:xfrm>
-            <a:off x="4846561" y="-20956"/>
-            <a:ext cx="3020001" cy="2792325"/>
+            <a:off x="3963895" y="1109"/>
+            <a:ext cx="3471486" cy="3209773"/>
           </a:xfrm>
           <a:prstGeom prst="rect">
             <a:avLst/>
@@ -3253,15 +3258,18 @@
         </p:nvSpPr>
         <p:spPr>
           <a:xfrm>
-            <a:off x="658849" y="3221238"/>
-            <a:ext cx="3372921" cy="1554921"/>
+            <a:off x="370093" y="3221238"/>
+            <a:ext cx="2465899" cy="1554921"/>
           </a:xfrm>
           <a:prstGeom prst="roundRect">
             <a:avLst/>
           </a:prstGeom>
-          <a:solidFill>
-            <a:srgbClr val="1C98BD"/>
-          </a:solidFill>
+          <a:noFill/>
+          <a:ln w="76200">
+            <a:solidFill>
+              <a:srgbClr val="1C98BD"/>
+            </a:solidFill>
+          </a:ln>
         </p:spPr>
         <p:style>
           <a:lnRef idx="2">
@@ -3290,7 +3298,10 @@
           <a:p>
             <a:pPr algn="ctr"/>
             <a:r>
-              <a:rPr lang="en-US" sz="3200" dirty="0">
+              <a:rPr lang="en-US" sz="2800" dirty="0">
+                <a:solidFill>
+                  <a:schemeClr val="tx1"/>
+                </a:solidFill>
                 <a:latin typeface="Times New Roman" panose="02020603050405020304" pitchFamily="18" charset="0"/>
                 <a:cs typeface="Times New Roman" panose="02020603050405020304" pitchFamily="18" charset="0"/>
               </a:rPr>
@@ -3313,15 +3324,18 @@
         </p:nvSpPr>
         <p:spPr>
           <a:xfrm>
-            <a:off x="806035" y="9343849"/>
-            <a:ext cx="3264961" cy="1690172"/>
+            <a:off x="517280" y="9343849"/>
+            <a:ext cx="2499730" cy="1690172"/>
           </a:xfrm>
           <a:prstGeom prst="roundRect">
             <a:avLst/>
           </a:prstGeom>
-          <a:solidFill>
-            <a:srgbClr val="1C98BD"/>
-          </a:solidFill>
+          <a:noFill/>
+          <a:ln w="76200">
+            <a:solidFill>
+              <a:srgbClr val="1C98BD"/>
+            </a:solidFill>
+          </a:ln>
         </p:spPr>
         <p:style>
           <a:lnRef idx="2">
@@ -3350,7 +3364,10 @@
           <a:p>
             <a:pPr algn="ctr"/>
             <a:r>
-              <a:rPr lang="en-US" sz="3200" dirty="0">
+              <a:rPr lang="en-US" sz="2800" dirty="0">
+                <a:solidFill>
+                  <a:schemeClr val="tx1"/>
+                </a:solidFill>
                 <a:latin typeface="Times New Roman" panose="02020603050405020304" pitchFamily="18" charset="0"/>
                 <a:cs typeface="Times New Roman" panose="02020603050405020304" pitchFamily="18" charset="0"/>
               </a:rPr>
@@ -3375,7 +3392,7 @@
         </p:nvCxnSpPr>
         <p:spPr>
           <a:xfrm>
-            <a:off x="1582706" y="5045191"/>
+            <a:off x="1293950" y="5045191"/>
             <a:ext cx="0" cy="1368926"/>
           </a:xfrm>
           <a:prstGeom prst="straightConnector1">
@@ -3417,7 +3434,7 @@
         </p:nvCxnSpPr>
         <p:spPr>
           <a:xfrm>
-            <a:off x="8037245" y="2125549"/>
+            <a:off x="7435381" y="3045275"/>
             <a:ext cx="0" cy="1572421"/>
           </a:xfrm>
           <a:prstGeom prst="straightConnector1">
@@ -3461,7 +3478,7 @@
         </p:nvCxnSpPr>
         <p:spPr>
           <a:xfrm>
-            <a:off x="1582706" y="11178622"/>
+            <a:off x="1293950" y="11178622"/>
             <a:ext cx="0" cy="802086"/>
           </a:xfrm>
           <a:prstGeom prst="straightConnector1">
@@ -3509,9 +3526,12 @@
           <a:prstGeom prst="roundRect">
             <a:avLst/>
           </a:prstGeom>
-          <a:solidFill>
-            <a:srgbClr val="1C98BD"/>
-          </a:solidFill>
+          <a:noFill/>
+          <a:ln w="76200">
+            <a:solidFill>
+              <a:srgbClr val="1C98BD"/>
+            </a:solidFill>
+          </a:ln>
         </p:spPr>
         <p:style>
           <a:lnRef idx="2">
@@ -3540,7 +3560,10 @@
           <a:p>
             <a:pPr algn="ctr"/>
             <a:r>
-              <a:rPr lang="en-US" sz="3200" dirty="0">
+              <a:rPr lang="en-US" sz="2800" dirty="0">
+                <a:solidFill>
+                  <a:schemeClr val="tx1"/>
+                </a:solidFill>
                 <a:latin typeface="Times New Roman" panose="02020603050405020304" pitchFamily="18" charset="0"/>
                 <a:cs typeface="Times New Roman" panose="02020603050405020304" pitchFamily="18" charset="0"/>
               </a:rPr>
@@ -3565,8 +3588,8 @@
         </p:nvCxnSpPr>
         <p:spPr>
           <a:xfrm>
-            <a:off x="8037245" y="5045193"/>
-            <a:ext cx="0" cy="5247259"/>
+            <a:off x="7359277" y="5887453"/>
+            <a:ext cx="20243" cy="4404999"/>
           </a:xfrm>
           <a:prstGeom prst="straightConnector1">
             <a:avLst/>
@@ -3607,7 +3630,7 @@
         </p:nvSpPr>
         <p:spPr>
           <a:xfrm>
-            <a:off x="8431047" y="8187105"/>
+            <a:off x="8438377" y="8593055"/>
             <a:ext cx="3891189" cy="4210695"/>
           </a:xfrm>
           <a:prstGeom prst="mathMultiply">
@@ -3652,7 +3675,7 @@
           <a:lstStyle/>
           <a:p>
             <a:pPr algn="ctr"/>
-            <a:endParaRPr lang="en-US"/>
+            <a:endParaRPr lang="en-US" sz="2800"/>
           </a:p>
         </p:txBody>
       </p:sp>
@@ -3670,15 +3693,18 @@
         </p:nvSpPr>
         <p:spPr>
           <a:xfrm>
-            <a:off x="6761897" y="12099545"/>
+            <a:off x="6021013" y="12066213"/>
             <a:ext cx="3483864" cy="1599624"/>
           </a:xfrm>
           <a:prstGeom prst="roundRect">
             <a:avLst/>
           </a:prstGeom>
-          <a:solidFill>
-            <a:srgbClr val="1C98BD"/>
-          </a:solidFill>
+          <a:noFill/>
+          <a:ln w="76200">
+            <a:solidFill>
+              <a:srgbClr val="1C98BD"/>
+            </a:solidFill>
+          </a:ln>
         </p:spPr>
         <p:style>
           <a:lnRef idx="2">
@@ -3707,7 +3733,10 @@
           <a:p>
             <a:pPr algn="ctr"/>
             <a:r>
-              <a:rPr lang="en-US" sz="3200" dirty="0">
+              <a:rPr lang="en-US" sz="2800" dirty="0">
+                <a:solidFill>
+                  <a:schemeClr val="tx1"/>
+                </a:solidFill>
                 <a:latin typeface="Times New Roman" panose="02020603050405020304" pitchFamily="18" charset="0"/>
                 <a:cs typeface="Times New Roman" panose="02020603050405020304" pitchFamily="18" charset="0"/>
               </a:rPr>
@@ -3733,7 +3762,7 @@
         <p:spPr>
           <a:xfrm>
             <a:off x="4404351" y="12904779"/>
-            <a:ext cx="2168583" cy="0"/>
+            <a:ext cx="1483102" cy="0"/>
           </a:xfrm>
           <a:prstGeom prst="straightConnector1">
             <a:avLst/>
@@ -3824,9 +3853,12 @@
           <a:prstGeom prst="roundRect">
             <a:avLst/>
           </a:prstGeom>
-          <a:solidFill>
-            <a:srgbClr val="1C98BD"/>
-          </a:solidFill>
+          <a:noFill/>
+          <a:ln w="76200">
+            <a:solidFill>
+              <a:srgbClr val="1C98BD"/>
+            </a:solidFill>
+          </a:ln>
         </p:spPr>
         <p:style>
           <a:lnRef idx="2">
@@ -3855,7 +3887,10 @@
           <a:p>
             <a:pPr algn="ctr"/>
             <a:r>
-              <a:rPr lang="en-US" sz="3200" dirty="0">
+              <a:rPr lang="en-US" sz="2800" dirty="0">
+                <a:solidFill>
+                  <a:schemeClr val="tx1"/>
+                </a:solidFill>
                 <a:latin typeface="Times New Roman" panose="02020603050405020304" pitchFamily="18" charset="0"/>
                 <a:cs typeface="Times New Roman" panose="02020603050405020304" pitchFamily="18" charset="0"/>
               </a:rPr>
@@ -3873,13 +3908,15 @@
               </a:ext>
             </a:extLst>
           </p:cNvPr>
-          <p:cNvGrpSpPr/>
+          <p:cNvGrpSpPr>
+            <a:grpSpLocks noChangeAspect="1"/>
+          </p:cNvGrpSpPr>
           <p:nvPr/>
         </p:nvGrpSpPr>
         <p:grpSpPr>
           <a:xfrm>
-            <a:off x="10426847" y="12178485"/>
-            <a:ext cx="1339496" cy="1441744"/>
+            <a:off x="9849556" y="12221383"/>
+            <a:ext cx="2072685" cy="2230900"/>
             <a:chOff x="10418968" y="8667668"/>
             <a:chExt cx="1339496" cy="1441744"/>
           </a:xfrm>
@@ -4021,7 +4058,7 @@
               <a:lstStyle/>
               <a:p>
                 <a:pPr algn="ctr"/>
-                <a:endParaRPr lang="en-US"/>
+                <a:endParaRPr lang="en-US" sz="2800"/>
               </a:p>
             </p:txBody>
           </p:sp>
@@ -4084,7 +4121,7 @@
               <a:lstStyle/>
               <a:p>
                 <a:pPr algn="ctr"/>
-                <a:endParaRPr lang="en-US"/>
+                <a:endParaRPr lang="en-US" sz="2800"/>
               </a:p>
             </p:txBody>
           </p:sp>
@@ -4410,7 +4447,7 @@
             <a:lstStyle/>
             <a:p>
               <a:pPr algn="ctr"/>
-              <a:endParaRPr lang="en-US"/>
+              <a:endParaRPr lang="en-US" sz="2800"/>
             </a:p>
           </p:txBody>
         </p:sp>
@@ -4473,7 +4510,7 @@
             <a:lstStyle/>
             <a:p>
               <a:pPr algn="ctr"/>
-              <a:endParaRPr lang="en-US"/>
+              <a:endParaRPr lang="en-US" sz="2800"/>
             </a:p>
           </p:txBody>
         </p:sp>
@@ -4492,15 +4529,18 @@
         </p:nvSpPr>
         <p:spPr>
           <a:xfrm>
-            <a:off x="658849" y="224898"/>
-            <a:ext cx="4017027" cy="1554921"/>
+            <a:off x="370094" y="224898"/>
+            <a:ext cx="2565614" cy="1554921"/>
           </a:xfrm>
           <a:prstGeom prst="roundRect">
             <a:avLst/>
           </a:prstGeom>
-          <a:solidFill>
-            <a:srgbClr val="1C98BD"/>
-          </a:solidFill>
+          <a:noFill/>
+          <a:ln w="76200">
+            <a:solidFill>
+              <a:srgbClr val="1C98BD"/>
+            </a:solidFill>
+          </a:ln>
         </p:spPr>
         <p:style>
           <a:lnRef idx="2">
@@ -4529,7 +4569,10 @@
           <a:p>
             <a:pPr algn="ctr"/>
             <a:r>
-              <a:rPr lang="en-US" sz="3200" dirty="0">
+              <a:rPr lang="en-US" sz="2800" dirty="0">
+                <a:solidFill>
+                  <a:schemeClr val="tx1"/>
+                </a:solidFill>
                 <a:latin typeface="Times New Roman" panose="02020603050405020304" pitchFamily="18" charset="0"/>
                 <a:cs typeface="Times New Roman" panose="02020603050405020304" pitchFamily="18" charset="0"/>
               </a:rPr>
@@ -4554,7 +4597,7 @@
         </p:nvCxnSpPr>
         <p:spPr>
           <a:xfrm>
-            <a:off x="1582706" y="2048853"/>
+            <a:off x="1293950" y="2048853"/>
             <a:ext cx="0" cy="996422"/>
           </a:xfrm>
           <a:prstGeom prst="straightConnector1">
@@ -4591,7 +4634,9 @@
               </a:ext>
             </a:extLst>
           </p:cNvPr>
-          <p:cNvPicPr/>
+          <p:cNvPicPr>
+            <a:picLocks noChangeAspect="1"/>
+          </p:cNvPicPr>
           <p:nvPr/>
         </p:nvPicPr>
         <p:blipFill>
@@ -4608,8 +4653,8 @@
         </p:blipFill>
         <p:spPr>
           <a:xfrm>
-            <a:off x="4475897" y="5445517"/>
-            <a:ext cx="2286000" cy="3110865"/>
+            <a:off x="3427517" y="5707896"/>
+            <a:ext cx="2627753" cy="3575935"/>
           </a:xfrm>
           <a:prstGeom prst="rect">
             <a:avLst/>
@@ -4630,15 +4675,18 @@
         </p:nvSpPr>
         <p:spPr>
           <a:xfrm>
-            <a:off x="712828" y="6525466"/>
-            <a:ext cx="3264961" cy="1188063"/>
+            <a:off x="424072" y="6525466"/>
+            <a:ext cx="2832477" cy="1188063"/>
           </a:xfrm>
           <a:prstGeom prst="roundRect">
             <a:avLst/>
           </a:prstGeom>
-          <a:solidFill>
-            <a:srgbClr val="1C98BD"/>
-          </a:solidFill>
+          <a:noFill/>
+          <a:ln w="76200">
+            <a:solidFill>
+              <a:srgbClr val="1C98BD"/>
+            </a:solidFill>
+          </a:ln>
         </p:spPr>
         <p:style>
           <a:lnRef idx="2">
@@ -4667,7 +4715,10 @@
           <a:p>
             <a:pPr algn="ctr"/>
             <a:r>
-              <a:rPr lang="en-US" sz="3200" dirty="0">
+              <a:rPr lang="en-US" sz="2800" dirty="0">
+                <a:solidFill>
+                  <a:schemeClr val="tx1"/>
+                </a:solidFill>
                 <a:latin typeface="Times New Roman" panose="02020603050405020304" pitchFamily="18" charset="0"/>
                 <a:cs typeface="Times New Roman" panose="02020603050405020304" pitchFamily="18" charset="0"/>
               </a:rPr>
@@ -4692,12 +4743,12 @@
         </p:nvCxnSpPr>
         <p:spPr>
           <a:xfrm rot="16200000" flipH="1">
-            <a:off x="5647363" y="7875898"/>
-            <a:ext cx="3638977" cy="1191745"/>
+            <a:off x="5391216" y="8277475"/>
+            <a:ext cx="2961339" cy="1066228"/>
           </a:xfrm>
           <a:prstGeom prst="curvedConnector3">
             <a:avLst>
-              <a:gd name="adj1" fmla="val 40742"/>
+              <a:gd name="adj1" fmla="val 50000"/>
             </a:avLst>
           </a:prstGeom>
           <a:ln w="190500">
@@ -4738,7 +4789,7 @@
         </p:nvCxnSpPr>
         <p:spPr>
           <a:xfrm>
-            <a:off x="1582706" y="7908592"/>
+            <a:off x="1293950" y="7908592"/>
             <a:ext cx="0" cy="1368926"/>
           </a:xfrm>
           <a:prstGeom prst="straightConnector1">
@@ -4830,9 +4881,12 @@
           <a:prstGeom prst="roundRect">
             <a:avLst/>
           </a:prstGeom>
-          <a:solidFill>
-            <a:srgbClr val="1C98BD"/>
-          </a:solidFill>
+          <a:noFill/>
+          <a:ln w="76200">
+            <a:solidFill>
+              <a:srgbClr val="1C98BD"/>
+            </a:solidFill>
+          </a:ln>
         </p:spPr>
         <p:style>
           <a:lnRef idx="2">
@@ -4861,7 +4915,10 @@
           <a:p>
             <a:pPr algn="ctr"/>
             <a:r>
-              <a:rPr lang="en-US" sz="3200" dirty="0">
+              <a:rPr lang="en-US" sz="2800" dirty="0">
+                <a:solidFill>
+                  <a:schemeClr val="tx1"/>
+                </a:solidFill>
                 <a:latin typeface="Times New Roman" panose="02020603050405020304" pitchFamily="18" charset="0"/>
                 <a:cs typeface="Times New Roman" panose="02020603050405020304" pitchFamily="18" charset="0"/>
               </a:rPr>
@@ -4890,9 +4947,12 @@
           <a:prstGeom prst="roundRect">
             <a:avLst/>
           </a:prstGeom>
-          <a:solidFill>
-            <a:srgbClr val="1C98BD"/>
-          </a:solidFill>
+          <a:noFill/>
+          <a:ln w="76200">
+            <a:solidFill>
+              <a:srgbClr val="1C98BD"/>
+            </a:solidFill>
+          </a:ln>
         </p:spPr>
         <p:style>
           <a:lnRef idx="2">
@@ -4921,7 +4981,10 @@
           <a:p>
             <a:pPr algn="ctr"/>
             <a:r>
-              <a:rPr lang="en-US" sz="3200" dirty="0">
+              <a:rPr lang="en-US" sz="2800" dirty="0">
+                <a:solidFill>
+                  <a:schemeClr val="tx1"/>
+                </a:solidFill>
                 <a:latin typeface="Times New Roman" panose="02020603050405020304" pitchFamily="18" charset="0"/>
                 <a:cs typeface="Times New Roman" panose="02020603050405020304" pitchFamily="18" charset="0"/>
               </a:rPr>
@@ -4978,6 +5041,259 @@
     <p:extLst>
       <p:ext uri="{BB962C8B-B14F-4D97-AF65-F5344CB8AC3E}">
         <p14:creationId xmlns:p14="http://schemas.microsoft.com/office/powerpoint/2010/main" val="1940252036"/>
+      </p:ext>
+    </p:extLst>
+  </p:cSld>
+  <p:clrMapOvr>
+    <a:masterClrMapping/>
+  </p:clrMapOvr>
+</p:sld>
+</file>
+
+<file path=ppt/slides/slide2.xml><?xml version="1.0" encoding="utf-8"?>
+<p:sld xmlns:a="http://schemas.openxmlformats.org/drawingml/2006/main" xmlns:r="http://schemas.openxmlformats.org/officeDocument/2006/relationships" xmlns:p="http://schemas.openxmlformats.org/presentationml/2006/main">
+  <p:cSld>
+    <p:spTree>
+      <p:nvGrpSpPr>
+        <p:cNvPr id="1" name=""/>
+        <p:cNvGrpSpPr/>
+        <p:nvPr/>
+      </p:nvGrpSpPr>
+      <p:grpSpPr>
+        <a:xfrm>
+          <a:off x="0" y="0"/>
+          <a:ext cx="0" cy="0"/>
+          <a:chOff x="0" y="0"/>
+          <a:chExt cx="0" cy="0"/>
+        </a:xfrm>
+      </p:grpSpPr>
+      <p:grpSp>
+        <p:nvGrpSpPr>
+          <p:cNvPr id="10" name="Group 9">
+            <a:extLst>
+              <a:ext uri="{FF2B5EF4-FFF2-40B4-BE49-F238E27FC236}">
+                <a16:creationId xmlns:a16="http://schemas.microsoft.com/office/drawing/2014/main" id="{C6305806-D503-4F45-A42A-EB32CB084D14}"/>
+              </a:ext>
+            </a:extLst>
+          </p:cNvPr>
+          <p:cNvGrpSpPr/>
+          <p:nvPr/>
+        </p:nvGrpSpPr>
+        <p:grpSpPr>
+          <a:xfrm>
+            <a:off x="0" y="589588"/>
+            <a:ext cx="12193588" cy="11372471"/>
+            <a:chOff x="0" y="589588"/>
+            <a:chExt cx="12193588" cy="11372471"/>
+          </a:xfrm>
+        </p:grpSpPr>
+        <p:pic>
+          <p:nvPicPr>
+            <p:cNvPr id="5" name="Picture 4">
+              <a:extLst>
+                <a:ext uri="{FF2B5EF4-FFF2-40B4-BE49-F238E27FC236}">
+                  <a16:creationId xmlns:a16="http://schemas.microsoft.com/office/drawing/2014/main" id="{19C336CB-56BB-FD45-A3FB-DA788EE518E0}"/>
+                </a:ext>
+              </a:extLst>
+            </p:cNvPr>
+            <p:cNvPicPr>
+              <a:picLocks noChangeAspect="1"/>
+            </p:cNvPicPr>
+            <p:nvPr/>
+          </p:nvPicPr>
+          <p:blipFill>
+            <a:blip r:embed="rId2"/>
+            <a:stretch>
+              <a:fillRect/>
+            </a:stretch>
+          </p:blipFill>
+          <p:spPr>
+            <a:xfrm>
+              <a:off x="0" y="589588"/>
+              <a:ext cx="12193588" cy="11372471"/>
+            </a:xfrm>
+            <a:prstGeom prst="rect">
+              <a:avLst/>
+            </a:prstGeom>
+          </p:spPr>
+        </p:pic>
+        <p:sp>
+          <p:nvSpPr>
+            <p:cNvPr id="6" name="TextBox 5">
+              <a:extLst>
+                <a:ext uri="{FF2B5EF4-FFF2-40B4-BE49-F238E27FC236}">
+                  <a16:creationId xmlns:a16="http://schemas.microsoft.com/office/drawing/2014/main" id="{DB5AF3A6-640C-E241-A7C8-D689A864C822}"/>
+                </a:ext>
+              </a:extLst>
+            </p:cNvPr>
+            <p:cNvSpPr txBox="1"/>
+            <p:nvPr/>
+          </p:nvSpPr>
+          <p:spPr>
+            <a:xfrm>
+              <a:off x="6160962" y="1652337"/>
+              <a:ext cx="4700337" cy="1785104"/>
+            </a:xfrm>
+            <a:prstGeom prst="rect">
+              <a:avLst/>
+            </a:prstGeom>
+            <a:noFill/>
+          </p:spPr>
+          <p:txBody>
+            <a:bodyPr wrap="square" rtlCol="0">
+              <a:spAutoFit/>
+            </a:bodyPr>
+            <a:lstStyle/>
+            <a:p>
+              <a:pPr algn="ctr"/>
+              <a:r>
+                <a:rPr lang="uk-UA" sz="5300" dirty="0">
+                  <a:latin typeface="Times New Roman" panose="02020603050405020304" pitchFamily="18" charset="0"/>
+                  <a:cs typeface="Times New Roman" panose="02020603050405020304" pitchFamily="18" charset="0"/>
+                </a:rPr>
+                <a:t>Домен розпізнавання</a:t>
+              </a:r>
+              <a:endParaRPr lang="en-US" sz="5300" dirty="0">
+                <a:latin typeface="Times New Roman" panose="02020603050405020304" pitchFamily="18" charset="0"/>
+                <a:cs typeface="Times New Roman" panose="02020603050405020304" pitchFamily="18" charset="0"/>
+              </a:endParaRPr>
+            </a:p>
+          </p:txBody>
+        </p:sp>
+        <p:sp>
+          <p:nvSpPr>
+            <p:cNvPr id="7" name="TextBox 6">
+              <a:extLst>
+                <a:ext uri="{FF2B5EF4-FFF2-40B4-BE49-F238E27FC236}">
+                  <a16:creationId xmlns:a16="http://schemas.microsoft.com/office/drawing/2014/main" id="{AA3BD3DB-CC75-964A-B7B4-7DA9BA2CDC4E}"/>
+                </a:ext>
+              </a:extLst>
+            </p:cNvPr>
+            <p:cNvSpPr txBox="1"/>
+            <p:nvPr/>
+          </p:nvSpPr>
+          <p:spPr>
+            <a:xfrm>
+              <a:off x="7324013" y="4146885"/>
+              <a:ext cx="4700337" cy="1785104"/>
+            </a:xfrm>
+            <a:prstGeom prst="rect">
+              <a:avLst/>
+            </a:prstGeom>
+            <a:noFill/>
+          </p:spPr>
+          <p:txBody>
+            <a:bodyPr wrap="square" rtlCol="0">
+              <a:spAutoFit/>
+            </a:bodyPr>
+            <a:lstStyle/>
+            <a:p>
+              <a:pPr algn="ctr"/>
+              <a:r>
+                <a:rPr lang="uk-UA" sz="5300" dirty="0">
+                  <a:latin typeface="Times New Roman" panose="02020603050405020304" pitchFamily="18" charset="0"/>
+                  <a:cs typeface="Times New Roman" panose="02020603050405020304" pitchFamily="18" charset="0"/>
+                </a:rPr>
+                <a:t>Глобулярний домен</a:t>
+              </a:r>
+              <a:endParaRPr lang="en-US" sz="5300" dirty="0">
+                <a:latin typeface="Times New Roman" panose="02020603050405020304" pitchFamily="18" charset="0"/>
+                <a:cs typeface="Times New Roman" panose="02020603050405020304" pitchFamily="18" charset="0"/>
+              </a:endParaRPr>
+            </a:p>
+          </p:txBody>
+        </p:sp>
+        <p:sp>
+          <p:nvSpPr>
+            <p:cNvPr id="8" name="TextBox 7">
+              <a:extLst>
+                <a:ext uri="{FF2B5EF4-FFF2-40B4-BE49-F238E27FC236}">
+                  <a16:creationId xmlns:a16="http://schemas.microsoft.com/office/drawing/2014/main" id="{03563260-B95B-1D48-B99C-57E10F64FC8B}"/>
+                </a:ext>
+              </a:extLst>
+            </p:cNvPr>
+            <p:cNvSpPr txBox="1"/>
+            <p:nvPr/>
+          </p:nvSpPr>
+          <p:spPr>
+            <a:xfrm>
+              <a:off x="7380957" y="10296851"/>
+              <a:ext cx="4700337" cy="907941"/>
+            </a:xfrm>
+            <a:prstGeom prst="rect">
+              <a:avLst/>
+            </a:prstGeom>
+            <a:noFill/>
+          </p:spPr>
+          <p:txBody>
+            <a:bodyPr wrap="square" rtlCol="0">
+              <a:spAutoFit/>
+            </a:bodyPr>
+            <a:lstStyle/>
+            <a:p>
+              <a:pPr algn="ctr"/>
+              <a:r>
+                <a:rPr lang="uk-UA" sz="5300" dirty="0">
+                  <a:latin typeface="Times New Roman" panose="02020603050405020304" pitchFamily="18" charset="0"/>
+                  <a:cs typeface="Times New Roman" panose="02020603050405020304" pitchFamily="18" charset="0"/>
+                </a:rPr>
+                <a:t>Білки</a:t>
+              </a:r>
+              <a:endParaRPr lang="en-US" sz="5300" dirty="0">
+                <a:latin typeface="Times New Roman" panose="02020603050405020304" pitchFamily="18" charset="0"/>
+                <a:cs typeface="Times New Roman" panose="02020603050405020304" pitchFamily="18" charset="0"/>
+              </a:endParaRPr>
+            </a:p>
+          </p:txBody>
+        </p:sp>
+        <p:sp>
+          <p:nvSpPr>
+            <p:cNvPr id="9" name="TextBox 8">
+              <a:extLst>
+                <a:ext uri="{FF2B5EF4-FFF2-40B4-BE49-F238E27FC236}">
+                  <a16:creationId xmlns:a16="http://schemas.microsoft.com/office/drawing/2014/main" id="{828588C6-55B9-5B41-BF2B-1BC017EED9E6}"/>
+                </a:ext>
+              </a:extLst>
+            </p:cNvPr>
+            <p:cNvSpPr txBox="1"/>
+            <p:nvPr/>
+          </p:nvSpPr>
+          <p:spPr>
+            <a:xfrm>
+              <a:off x="314409" y="8557260"/>
+              <a:ext cx="4700337" cy="1723549"/>
+            </a:xfrm>
+            <a:prstGeom prst="rect">
+              <a:avLst/>
+            </a:prstGeom>
+            <a:noFill/>
+          </p:spPr>
+          <p:txBody>
+            <a:bodyPr wrap="square" rtlCol="0">
+              <a:spAutoFit/>
+            </a:bodyPr>
+            <a:lstStyle/>
+            <a:p>
+              <a:pPr algn="ctr"/>
+              <a:r>
+                <a:rPr lang="uk-UA" sz="5300" dirty="0">
+                  <a:latin typeface="Times New Roman" panose="02020603050405020304" pitchFamily="18" charset="0"/>
+                  <a:cs typeface="Times New Roman" panose="02020603050405020304" pitchFamily="18" charset="0"/>
+                </a:rPr>
+                <a:t>Лінійний мотив</a:t>
+              </a:r>
+              <a:endParaRPr lang="en-US" sz="5300" dirty="0">
+                <a:latin typeface="Times New Roman" panose="02020603050405020304" pitchFamily="18" charset="0"/>
+                <a:cs typeface="Times New Roman" panose="02020603050405020304" pitchFamily="18" charset="0"/>
+              </a:endParaRPr>
+            </a:p>
+          </p:txBody>
+        </p:sp>
+      </p:grpSp>
+    </p:spTree>
+    <p:extLst>
+      <p:ext uri="{BB962C8B-B14F-4D97-AF65-F5344CB8AC3E}">
+        <p14:creationId xmlns:p14="http://schemas.microsoft.com/office/powerpoint/2010/main" val="2447073279"/>
       </p:ext>
     </p:extLst>
   </p:cSld>

--- a/presentations_posters/schemas.pptx
+++ b/presentations_posters/schemas.pptx
@@ -105,6 +105,11 @@
       </a:defRPr>
     </a:lvl9pPr>
   </p:defaultTextStyle>
+  <p:extLst>
+    <p:ext uri="{EFAFB233-063F-42B5-8137-9DF3F51BA10A}">
+      <p15:sldGuideLst xmlns:p15="http://schemas.microsoft.com/office/powerpoint/2012/main"/>
+    </p:ext>
+  </p:extLst>
 </p:presentation>
 </file>
 
@@ -239,7 +244,7 @@
           <a:p>
             <a:fld id="{0AA9161A-D89C-EF43-8E7B-61C797291AA3}" type="datetimeFigureOut">
               <a:rPr lang="en-US" smtClean="0"/>
-              <a:t>5/25/18</a:t>
+              <a:t>8/15/18</a:t>
             </a:fld>
             <a:endParaRPr lang="en-US"/>
           </a:p>
@@ -409,7 +414,7 @@
           <a:p>
             <a:fld id="{0AA9161A-D89C-EF43-8E7B-61C797291AA3}" type="datetimeFigureOut">
               <a:rPr lang="en-US" smtClean="0"/>
-              <a:t>5/25/18</a:t>
+              <a:t>8/15/18</a:t>
             </a:fld>
             <a:endParaRPr lang="en-US"/>
           </a:p>
@@ -589,7 +594,7 @@
           <a:p>
             <a:fld id="{0AA9161A-D89C-EF43-8E7B-61C797291AA3}" type="datetimeFigureOut">
               <a:rPr lang="en-US" smtClean="0"/>
-              <a:t>5/25/18</a:t>
+              <a:t>8/15/18</a:t>
             </a:fld>
             <a:endParaRPr lang="en-US"/>
           </a:p>
@@ -759,7 +764,7 @@
           <a:p>
             <a:fld id="{0AA9161A-D89C-EF43-8E7B-61C797291AA3}" type="datetimeFigureOut">
               <a:rPr lang="en-US" smtClean="0"/>
-              <a:t>5/25/18</a:t>
+              <a:t>8/15/18</a:t>
             </a:fld>
             <a:endParaRPr lang="en-US"/>
           </a:p>
@@ -1003,7 +1008,7 @@
           <a:p>
             <a:fld id="{0AA9161A-D89C-EF43-8E7B-61C797291AA3}" type="datetimeFigureOut">
               <a:rPr lang="en-US" smtClean="0"/>
-              <a:t>5/25/18</a:t>
+              <a:t>8/15/18</a:t>
             </a:fld>
             <a:endParaRPr lang="en-US"/>
           </a:p>
@@ -1235,7 +1240,7 @@
           <a:p>
             <a:fld id="{0AA9161A-D89C-EF43-8E7B-61C797291AA3}" type="datetimeFigureOut">
               <a:rPr lang="en-US" smtClean="0"/>
-              <a:t>5/25/18</a:t>
+              <a:t>8/15/18</a:t>
             </a:fld>
             <a:endParaRPr lang="en-US"/>
           </a:p>
@@ -1602,7 +1607,7 @@
           <a:p>
             <a:fld id="{0AA9161A-D89C-EF43-8E7B-61C797291AA3}" type="datetimeFigureOut">
               <a:rPr lang="en-US" smtClean="0"/>
-              <a:t>5/25/18</a:t>
+              <a:t>8/15/18</a:t>
             </a:fld>
             <a:endParaRPr lang="en-US"/>
           </a:p>
@@ -1720,7 +1725,7 @@
           <a:p>
             <a:fld id="{0AA9161A-D89C-EF43-8E7B-61C797291AA3}" type="datetimeFigureOut">
               <a:rPr lang="en-US" smtClean="0"/>
-              <a:t>5/25/18</a:t>
+              <a:t>8/15/18</a:t>
             </a:fld>
             <a:endParaRPr lang="en-US"/>
           </a:p>
@@ -1815,7 +1820,7 @@
           <a:p>
             <a:fld id="{0AA9161A-D89C-EF43-8E7B-61C797291AA3}" type="datetimeFigureOut">
               <a:rPr lang="en-US" smtClean="0"/>
-              <a:t>5/25/18</a:t>
+              <a:t>8/15/18</a:t>
             </a:fld>
             <a:endParaRPr lang="en-US"/>
           </a:p>
@@ -2092,7 +2097,7 @@
           <a:p>
             <a:fld id="{0AA9161A-D89C-EF43-8E7B-61C797291AA3}" type="datetimeFigureOut">
               <a:rPr lang="en-US" smtClean="0"/>
-              <a:t>5/25/18</a:t>
+              <a:t>8/15/18</a:t>
             </a:fld>
             <a:endParaRPr lang="en-US"/>
           </a:p>
@@ -2349,7 +2354,7 @@
           <a:p>
             <a:fld id="{0AA9161A-D89C-EF43-8E7B-61C797291AA3}" type="datetimeFigureOut">
               <a:rPr lang="en-US" smtClean="0"/>
-              <a:t>5/25/18</a:t>
+              <a:t>8/15/18</a:t>
             </a:fld>
             <a:endParaRPr lang="en-US"/>
           </a:p>
@@ -2562,7 +2567,7 @@
           <a:p>
             <a:fld id="{0AA9161A-D89C-EF43-8E7B-61C797291AA3}" type="datetimeFigureOut">
               <a:rPr lang="en-US" smtClean="0"/>
-              <a:t>5/25/18</a:t>
+              <a:t>8/15/18</a:t>
             </a:fld>
             <a:endParaRPr lang="en-US"/>
           </a:p>
@@ -4715,6 +4720,16 @@
           <a:p>
             <a:pPr algn="ctr"/>
             <a:r>
+              <a:rPr lang="en-US" sz="2800">
+                <a:solidFill>
+                  <a:schemeClr val="tx1"/>
+                </a:solidFill>
+                <a:latin typeface="Times New Roman" panose="02020603050405020304" pitchFamily="18" charset="0"/>
+                <a:cs typeface="Times New Roman" panose="02020603050405020304" pitchFamily="18" charset="0"/>
+              </a:rPr>
+              <a:t>Find </a:t>
+            </a:r>
+            <a:r>
               <a:rPr lang="en-US" sz="2800" dirty="0">
                 <a:solidFill>
                   <a:schemeClr val="tx1"/>
@@ -4722,7 +4737,7 @@
                 <a:latin typeface="Times New Roman" panose="02020603050405020304" pitchFamily="18" charset="0"/>
                 <a:cs typeface="Times New Roman" panose="02020603050405020304" pitchFamily="18" charset="0"/>
               </a:rPr>
-              <a:t>Estimate enriched domains</a:t>
+              <a:t>enriched domains</a:t>
             </a:r>
           </a:p>
         </p:txBody>
